--- a/PalestraMQTT.pptx
+++ b/PalestraMQTT.pptx
@@ -287,7 +287,7 @@
           <a:p>
             <a:fld id="{CEA4E635-B4B8-483F-B057-25245A46B3CE}" type="datetimeFigureOut">
               <a:rPr lang="pt-BR" smtClean="0"/>
-              <a:t>02/10/2024</a:t>
+              <a:t>03/10/2024</a:t>
             </a:fld>
             <a:endParaRPr lang="pt-BR"/>
           </a:p>
@@ -490,7 +490,7 @@
           <a:p>
             <a:fld id="{CEA4E635-B4B8-483F-B057-25245A46B3CE}" type="datetimeFigureOut">
               <a:rPr lang="pt-BR" smtClean="0"/>
-              <a:t>02/10/2024</a:t>
+              <a:t>03/10/2024</a:t>
             </a:fld>
             <a:endParaRPr lang="pt-BR"/>
           </a:p>
@@ -698,7 +698,7 @@
           <a:p>
             <a:fld id="{CEA4E635-B4B8-483F-B057-25245A46B3CE}" type="datetimeFigureOut">
               <a:rPr lang="pt-BR" smtClean="0"/>
-              <a:t>02/10/2024</a:t>
+              <a:t>03/10/2024</a:t>
             </a:fld>
             <a:endParaRPr lang="pt-BR"/>
           </a:p>
@@ -901,7 +901,7 @@
           <a:p>
             <a:fld id="{CEA4E635-B4B8-483F-B057-25245A46B3CE}" type="datetimeFigureOut">
               <a:rPr lang="pt-BR" smtClean="0"/>
-              <a:t>02/10/2024</a:t>
+              <a:t>03/10/2024</a:t>
             </a:fld>
             <a:endParaRPr lang="pt-BR"/>
           </a:p>
@@ -1176,7 +1176,7 @@
           <a:p>
             <a:fld id="{CEA4E635-B4B8-483F-B057-25245A46B3CE}" type="datetimeFigureOut">
               <a:rPr lang="pt-BR" smtClean="0"/>
-              <a:t>02/10/2024</a:t>
+              <a:t>03/10/2024</a:t>
             </a:fld>
             <a:endParaRPr lang="pt-BR"/>
           </a:p>
@@ -1446,7 +1446,7 @@
           <a:p>
             <a:fld id="{CEA4E635-B4B8-483F-B057-25245A46B3CE}" type="datetimeFigureOut">
               <a:rPr lang="pt-BR" smtClean="0"/>
-              <a:t>02/10/2024</a:t>
+              <a:t>03/10/2024</a:t>
             </a:fld>
             <a:endParaRPr lang="pt-BR"/>
           </a:p>
@@ -1858,7 +1858,7 @@
           <a:p>
             <a:fld id="{CEA4E635-B4B8-483F-B057-25245A46B3CE}" type="datetimeFigureOut">
               <a:rPr lang="pt-BR" smtClean="0"/>
-              <a:t>02/10/2024</a:t>
+              <a:t>03/10/2024</a:t>
             </a:fld>
             <a:endParaRPr lang="pt-BR"/>
           </a:p>
@@ -2004,7 +2004,7 @@
           <a:p>
             <a:fld id="{CEA4E635-B4B8-483F-B057-25245A46B3CE}" type="datetimeFigureOut">
               <a:rPr lang="pt-BR" smtClean="0"/>
-              <a:t>02/10/2024</a:t>
+              <a:t>03/10/2024</a:t>
             </a:fld>
             <a:endParaRPr lang="pt-BR"/>
           </a:p>
@@ -2117,7 +2117,7 @@
           <a:p>
             <a:fld id="{CEA4E635-B4B8-483F-B057-25245A46B3CE}" type="datetimeFigureOut">
               <a:rPr lang="pt-BR" smtClean="0"/>
-              <a:t>02/10/2024</a:t>
+              <a:t>03/10/2024</a:t>
             </a:fld>
             <a:endParaRPr lang="pt-BR"/>
           </a:p>
@@ -2428,7 +2428,7 @@
           <a:p>
             <a:fld id="{CEA4E635-B4B8-483F-B057-25245A46B3CE}" type="datetimeFigureOut">
               <a:rPr lang="pt-BR" smtClean="0"/>
-              <a:t>02/10/2024</a:t>
+              <a:t>03/10/2024</a:t>
             </a:fld>
             <a:endParaRPr lang="pt-BR"/>
           </a:p>
@@ -2716,7 +2716,7 @@
           <a:p>
             <a:fld id="{CEA4E635-B4B8-483F-B057-25245A46B3CE}" type="datetimeFigureOut">
               <a:rPr lang="pt-BR" smtClean="0"/>
-              <a:t>02/10/2024</a:t>
+              <a:t>03/10/2024</a:t>
             </a:fld>
             <a:endParaRPr lang="pt-BR"/>
           </a:p>
@@ -2960,7 +2960,7 @@
           <a:p>
             <a:fld id="{CEA4E635-B4B8-483F-B057-25245A46B3CE}" type="datetimeFigureOut">
               <a:rPr lang="pt-BR" smtClean="0"/>
-              <a:t>02/10/2024</a:t>
+              <a:t>03/10/2024</a:t>
             </a:fld>
             <a:endParaRPr lang="pt-BR"/>
           </a:p>
@@ -4063,40 +4063,45 @@
         </p:nvSpPr>
         <p:spPr>
           <a:xfrm>
-            <a:off x="1728570" y="1751670"/>
-            <a:ext cx="9178916" cy="3997828"/>
+            <a:off x="705853" y="1751670"/>
+            <a:ext cx="10788315" cy="3997828"/>
           </a:xfrm>
         </p:spPr>
         <p:txBody>
           <a:bodyPr>
-            <a:normAutofit fontScale="92500" lnSpcReduction="20000"/>
+            <a:normAutofit lnSpcReduction="10000"/>
           </a:bodyPr>
           <a:lstStyle/>
           <a:p>
+            <a:pPr algn="just"/>
             <a:r>
               <a:rPr lang="pt-BR" dirty="0"/>
               <a:t>Leve e eficiente: a quantidade de bytes usados é muito pequeno.</a:t>
             </a:r>
           </a:p>
           <a:p>
+            <a:pPr algn="just"/>
             <a:r>
               <a:rPr lang="pt-BR" dirty="0"/>
               <a:t>Escalável: a quantidade de código para usar o MQTT é mínima, podendo conectar milhões de dispositivos.</a:t>
             </a:r>
           </a:p>
           <a:p>
+            <a:pPr algn="just"/>
             <a:r>
               <a:rPr lang="pt-BR" dirty="0"/>
               <a:t>Confiável: tempo de conexão extremamente baixo e apresentam 3 níveis diferentes de serviço de qualidade para garantir da confiabilidade.</a:t>
             </a:r>
           </a:p>
           <a:p>
+            <a:pPr algn="just"/>
             <a:r>
               <a:rPr lang="pt-BR" dirty="0"/>
               <a:t>Seguro: as mensagens podem ser criptografadas usando protocolos de autenticação modernos.</a:t>
             </a:r>
           </a:p>
           <a:p>
+            <a:pPr algn="just"/>
             <a:r>
               <a:rPr lang="pt-BR" dirty="0"/>
               <a:t>Suporte: hoje em dia diversas linguagens dão suporte ao MQTT.</a:t>
@@ -12664,7 +12669,7 @@
           <a:p>
             <a:r>
               <a:rPr lang="pt-BR" dirty="0"/>
-              <a:t>MQTT - Conceito</a:t>
+              <a:t>MQTT – Significado e Conceito</a:t>
             </a:r>
           </a:p>
           <a:p>
@@ -12837,7 +12842,7 @@
         </p:nvSpPr>
         <p:spPr>
           <a:xfrm>
-            <a:off x="441158" y="2052116"/>
+            <a:off x="184484" y="2757969"/>
             <a:ext cx="11397405" cy="3997828"/>
           </a:xfrm>
         </p:spPr>
@@ -12889,6 +12894,366 @@
               </a:rPr>
               <a:t>Fonte: https://aws.amazon.com/pt/what-is/mqtt/</a:t>
             </a:r>
+          </a:p>
+        </p:txBody>
+      </p:sp>
+      <p:sp>
+        <p:nvSpPr>
+          <p:cNvPr id="6" name="Espaço Reservado para Conteúdo 2">
+            <a:extLst>
+              <a:ext uri="{FF2B5EF4-FFF2-40B4-BE49-F238E27FC236}">
+                <a16:creationId xmlns:a16="http://schemas.microsoft.com/office/drawing/2014/main" id="{8305030C-42D7-F189-33D2-8E7439C65CB4}"/>
+              </a:ext>
+            </a:extLst>
+          </p:cNvPr>
+          <p:cNvSpPr txBox="1">
+            <a:spLocks/>
+          </p:cNvSpPr>
+          <p:nvPr/>
+        </p:nvSpPr>
+        <p:spPr>
+          <a:xfrm>
+            <a:off x="573760" y="1538768"/>
+            <a:ext cx="11008129" cy="1116199"/>
+          </a:xfrm>
+          <a:prstGeom prst="rect">
+            <a:avLst/>
+          </a:prstGeom>
+        </p:spPr>
+        <p:txBody>
+          <a:bodyPr vert="horz" lIns="91440" tIns="45720" rIns="91440" bIns="45720" rtlCol="0">
+            <a:normAutofit/>
+          </a:bodyPr>
+          <a:lstStyle>
+            <a:lvl1pPr marL="228600" indent="-228600" algn="l" defTabSz="914400" rtl="0" eaLnBrk="1" latinLnBrk="0" hangingPunct="1">
+              <a:lnSpc>
+                <a:spcPct val="90000"/>
+              </a:lnSpc>
+              <a:spcBef>
+                <a:spcPts val="1000"/>
+              </a:spcBef>
+              <a:buFont typeface="Arial" panose="020B0604020202020204" pitchFamily="34" charset="0"/>
+              <a:buChar char="•"/>
+              <a:defRPr sz="2800" kern="1200">
+                <a:solidFill>
+                  <a:schemeClr val="bg1"/>
+                </a:solidFill>
+                <a:latin typeface="+mn-lt"/>
+                <a:ea typeface="+mn-ea"/>
+                <a:cs typeface="+mn-cs"/>
+              </a:defRPr>
+            </a:lvl1pPr>
+            <a:lvl2pPr marL="685800" indent="-228600" algn="l" defTabSz="914400" rtl="0" eaLnBrk="1" latinLnBrk="0" hangingPunct="1">
+              <a:lnSpc>
+                <a:spcPct val="90000"/>
+              </a:lnSpc>
+              <a:spcBef>
+                <a:spcPts val="500"/>
+              </a:spcBef>
+              <a:buFont typeface="Arial" panose="020B0604020202020204" pitchFamily="34" charset="0"/>
+              <a:buChar char="•"/>
+              <a:defRPr sz="2400" kern="1200">
+                <a:solidFill>
+                  <a:schemeClr val="bg1"/>
+                </a:solidFill>
+                <a:latin typeface="+mn-lt"/>
+                <a:ea typeface="+mn-ea"/>
+                <a:cs typeface="+mn-cs"/>
+              </a:defRPr>
+            </a:lvl2pPr>
+            <a:lvl3pPr marL="1143000" indent="-228600" algn="l" defTabSz="914400" rtl="0" eaLnBrk="1" latinLnBrk="0" hangingPunct="1">
+              <a:lnSpc>
+                <a:spcPct val="90000"/>
+              </a:lnSpc>
+              <a:spcBef>
+                <a:spcPts val="500"/>
+              </a:spcBef>
+              <a:buFont typeface="Arial" panose="020B0604020202020204" pitchFamily="34" charset="0"/>
+              <a:buChar char="•"/>
+              <a:defRPr sz="2000" kern="1200">
+                <a:solidFill>
+                  <a:schemeClr val="bg1"/>
+                </a:solidFill>
+                <a:latin typeface="+mn-lt"/>
+                <a:ea typeface="+mn-ea"/>
+                <a:cs typeface="+mn-cs"/>
+              </a:defRPr>
+            </a:lvl3pPr>
+            <a:lvl4pPr marL="1600200" indent="-228600" algn="l" defTabSz="914400" rtl="0" eaLnBrk="1" latinLnBrk="0" hangingPunct="1">
+              <a:lnSpc>
+                <a:spcPct val="90000"/>
+              </a:lnSpc>
+              <a:spcBef>
+                <a:spcPts val="500"/>
+              </a:spcBef>
+              <a:buFont typeface="Arial" panose="020B0604020202020204" pitchFamily="34" charset="0"/>
+              <a:buChar char="•"/>
+              <a:defRPr sz="1800" kern="1200">
+                <a:solidFill>
+                  <a:schemeClr val="bg1"/>
+                </a:solidFill>
+                <a:latin typeface="+mn-lt"/>
+                <a:ea typeface="+mn-ea"/>
+                <a:cs typeface="+mn-cs"/>
+              </a:defRPr>
+            </a:lvl4pPr>
+            <a:lvl5pPr marL="2057400" indent="-228600" algn="l" defTabSz="914400" rtl="0" eaLnBrk="1" latinLnBrk="0" hangingPunct="1">
+              <a:lnSpc>
+                <a:spcPct val="90000"/>
+              </a:lnSpc>
+              <a:spcBef>
+                <a:spcPts val="500"/>
+              </a:spcBef>
+              <a:buFont typeface="Arial" panose="020B0604020202020204" pitchFamily="34" charset="0"/>
+              <a:buChar char="•"/>
+              <a:defRPr sz="1800" kern="1200">
+                <a:solidFill>
+                  <a:schemeClr val="bg1"/>
+                </a:solidFill>
+                <a:latin typeface="+mn-lt"/>
+                <a:ea typeface="+mn-ea"/>
+                <a:cs typeface="+mn-cs"/>
+              </a:defRPr>
+            </a:lvl5pPr>
+            <a:lvl6pPr marL="2514600" indent="-228600" algn="l" defTabSz="914400" rtl="0" eaLnBrk="1" latinLnBrk="0" hangingPunct="1">
+              <a:lnSpc>
+                <a:spcPct val="90000"/>
+              </a:lnSpc>
+              <a:spcBef>
+                <a:spcPts val="500"/>
+              </a:spcBef>
+              <a:buFont typeface="Arial" panose="020B0604020202020204" pitchFamily="34" charset="0"/>
+              <a:buChar char="•"/>
+              <a:defRPr sz="1800" kern="1200">
+                <a:solidFill>
+                  <a:schemeClr val="tx1"/>
+                </a:solidFill>
+                <a:latin typeface="+mn-lt"/>
+                <a:ea typeface="+mn-ea"/>
+                <a:cs typeface="+mn-cs"/>
+              </a:defRPr>
+            </a:lvl6pPr>
+            <a:lvl7pPr marL="2971800" indent="-228600" algn="l" defTabSz="914400" rtl="0" eaLnBrk="1" latinLnBrk="0" hangingPunct="1">
+              <a:lnSpc>
+                <a:spcPct val="90000"/>
+              </a:lnSpc>
+              <a:spcBef>
+                <a:spcPts val="500"/>
+              </a:spcBef>
+              <a:buFont typeface="Arial" panose="020B0604020202020204" pitchFamily="34" charset="0"/>
+              <a:buChar char="•"/>
+              <a:defRPr sz="1800" kern="1200">
+                <a:solidFill>
+                  <a:schemeClr val="tx1"/>
+                </a:solidFill>
+                <a:latin typeface="+mn-lt"/>
+                <a:ea typeface="+mn-ea"/>
+                <a:cs typeface="+mn-cs"/>
+              </a:defRPr>
+            </a:lvl7pPr>
+            <a:lvl8pPr marL="3429000" indent="-228600" algn="l" defTabSz="914400" rtl="0" eaLnBrk="1" latinLnBrk="0" hangingPunct="1">
+              <a:lnSpc>
+                <a:spcPct val="90000"/>
+              </a:lnSpc>
+              <a:spcBef>
+                <a:spcPts val="500"/>
+              </a:spcBef>
+              <a:buFont typeface="Arial" panose="020B0604020202020204" pitchFamily="34" charset="0"/>
+              <a:buChar char="•"/>
+              <a:defRPr sz="1800" kern="1200">
+                <a:solidFill>
+                  <a:schemeClr val="tx1"/>
+                </a:solidFill>
+                <a:latin typeface="+mn-lt"/>
+                <a:ea typeface="+mn-ea"/>
+                <a:cs typeface="+mn-cs"/>
+              </a:defRPr>
+            </a:lvl8pPr>
+            <a:lvl9pPr marL="3886200" indent="-228600" algn="l" defTabSz="914400" rtl="0" eaLnBrk="1" latinLnBrk="0" hangingPunct="1">
+              <a:lnSpc>
+                <a:spcPct val="90000"/>
+              </a:lnSpc>
+              <a:spcBef>
+                <a:spcPts val="500"/>
+              </a:spcBef>
+              <a:buFont typeface="Arial" panose="020B0604020202020204" pitchFamily="34" charset="0"/>
+              <a:buChar char="•"/>
+              <a:defRPr sz="1800" kern="1200">
+                <a:solidFill>
+                  <a:schemeClr val="tx1"/>
+                </a:solidFill>
+                <a:latin typeface="+mn-lt"/>
+                <a:ea typeface="+mn-ea"/>
+                <a:cs typeface="+mn-cs"/>
+              </a:defRPr>
+            </a:lvl9pPr>
+          </a:lstStyle>
+          <a:p>
+            <a:pPr marL="0" indent="0" algn="ctr">
+              <a:buNone/>
+            </a:pPr>
+            <a:r>
+              <a:rPr lang="pt-BR" b="1" dirty="0">
+                <a:solidFill>
+                  <a:srgbClr val="FFFF00"/>
+                </a:solidFill>
+              </a:rPr>
+              <a:t>M Q T </a:t>
+            </a:r>
+            <a:r>
+              <a:rPr lang="pt-BR" b="1" dirty="0" err="1">
+                <a:solidFill>
+                  <a:srgbClr val="FFFF00"/>
+                </a:solidFill>
+              </a:rPr>
+              <a:t>T</a:t>
+            </a:r>
+            <a:r>
+              <a:rPr lang="pt-BR" dirty="0"/>
+              <a:t> = </a:t>
+            </a:r>
+            <a:r>
+              <a:rPr lang="pt-BR" sz="2800" b="1" dirty="0" err="1">
+                <a:solidFill>
+                  <a:srgbClr val="FFFF00"/>
+                </a:solidFill>
+                <a:latin typeface="Arial" panose="020B0604020202020204" pitchFamily="34" charset="0"/>
+                <a:cs typeface="Arial" panose="020B0604020202020204" pitchFamily="34" charset="0"/>
+              </a:rPr>
+              <a:t>M</a:t>
+            </a:r>
+            <a:r>
+              <a:rPr lang="pt-BR" sz="2800" dirty="0" err="1">
+                <a:solidFill>
+                  <a:schemeClr val="bg1"/>
+                </a:solidFill>
+                <a:latin typeface="Arial" panose="020B0604020202020204" pitchFamily="34" charset="0"/>
+                <a:cs typeface="Arial" panose="020B0604020202020204" pitchFamily="34" charset="0"/>
+              </a:rPr>
+              <a:t>essage</a:t>
+            </a:r>
+            <a:r>
+              <a:rPr lang="pt-BR" sz="2800" dirty="0">
+                <a:solidFill>
+                  <a:schemeClr val="bg1"/>
+                </a:solidFill>
+                <a:latin typeface="Arial" panose="020B0604020202020204" pitchFamily="34" charset="0"/>
+                <a:cs typeface="Arial" panose="020B0604020202020204" pitchFamily="34" charset="0"/>
+              </a:rPr>
+              <a:t> </a:t>
+            </a:r>
+            <a:r>
+              <a:rPr lang="pt-BR" sz="2800" b="1" dirty="0" err="1">
+                <a:solidFill>
+                  <a:srgbClr val="FFFF00"/>
+                </a:solidFill>
+                <a:latin typeface="Arial" panose="020B0604020202020204" pitchFamily="34" charset="0"/>
+                <a:cs typeface="Arial" panose="020B0604020202020204" pitchFamily="34" charset="0"/>
+              </a:rPr>
+              <a:t>Q</a:t>
+            </a:r>
+            <a:r>
+              <a:rPr lang="pt-BR" sz="2800" dirty="0" err="1">
+                <a:solidFill>
+                  <a:schemeClr val="bg1"/>
+                </a:solidFill>
+                <a:latin typeface="Arial" panose="020B0604020202020204" pitchFamily="34" charset="0"/>
+                <a:cs typeface="Arial" panose="020B0604020202020204" pitchFamily="34" charset="0"/>
+              </a:rPr>
+              <a:t>ueuing</a:t>
+            </a:r>
+            <a:r>
+              <a:rPr lang="pt-BR" sz="2800" dirty="0">
+                <a:solidFill>
+                  <a:schemeClr val="bg1"/>
+                </a:solidFill>
+                <a:latin typeface="Arial" panose="020B0604020202020204" pitchFamily="34" charset="0"/>
+                <a:cs typeface="Arial" panose="020B0604020202020204" pitchFamily="34" charset="0"/>
+              </a:rPr>
+              <a:t> </a:t>
+            </a:r>
+            <a:r>
+              <a:rPr lang="pt-BR" sz="2800" b="1" dirty="0" err="1">
+                <a:solidFill>
+                  <a:srgbClr val="FFFF00"/>
+                </a:solidFill>
+                <a:latin typeface="Arial" panose="020B0604020202020204" pitchFamily="34" charset="0"/>
+                <a:cs typeface="Arial" panose="020B0604020202020204" pitchFamily="34" charset="0"/>
+              </a:rPr>
+              <a:t>T</a:t>
+            </a:r>
+            <a:r>
+              <a:rPr lang="pt-BR" sz="2800" dirty="0" err="1">
+                <a:solidFill>
+                  <a:schemeClr val="bg1"/>
+                </a:solidFill>
+                <a:latin typeface="Arial" panose="020B0604020202020204" pitchFamily="34" charset="0"/>
+                <a:cs typeface="Arial" panose="020B0604020202020204" pitchFamily="34" charset="0"/>
+              </a:rPr>
+              <a:t>elemetry</a:t>
+            </a:r>
+            <a:r>
+              <a:rPr lang="pt-BR" sz="2800" dirty="0">
+                <a:solidFill>
+                  <a:schemeClr val="bg1"/>
+                </a:solidFill>
+                <a:latin typeface="Arial" panose="020B0604020202020204" pitchFamily="34" charset="0"/>
+                <a:cs typeface="Arial" panose="020B0604020202020204" pitchFamily="34" charset="0"/>
+              </a:rPr>
+              <a:t> </a:t>
+            </a:r>
+            <a:r>
+              <a:rPr lang="pt-BR" sz="2800" b="1" dirty="0" err="1">
+                <a:solidFill>
+                  <a:srgbClr val="FFFF00"/>
+                </a:solidFill>
+                <a:latin typeface="Arial" panose="020B0604020202020204" pitchFamily="34" charset="0"/>
+                <a:cs typeface="Arial" panose="020B0604020202020204" pitchFamily="34" charset="0"/>
+              </a:rPr>
+              <a:t>T</a:t>
+            </a:r>
+            <a:r>
+              <a:rPr lang="pt-BR" sz="2800" dirty="0" err="1">
+                <a:solidFill>
+                  <a:schemeClr val="bg1"/>
+                </a:solidFill>
+                <a:latin typeface="Arial" panose="020B0604020202020204" pitchFamily="34" charset="0"/>
+                <a:cs typeface="Arial" panose="020B0604020202020204" pitchFamily="34" charset="0"/>
+              </a:rPr>
+              <a:t>ransport</a:t>
+            </a:r>
+            <a:endParaRPr lang="pt-BR" sz="2800" dirty="0">
+              <a:solidFill>
+                <a:schemeClr val="bg1"/>
+              </a:solidFill>
+              <a:latin typeface="Arial" panose="020B0604020202020204" pitchFamily="34" charset="0"/>
+              <a:cs typeface="Arial" panose="020B0604020202020204" pitchFamily="34" charset="0"/>
+            </a:endParaRPr>
+          </a:p>
+          <a:p>
+            <a:pPr marL="0" indent="0" algn="ctr">
+              <a:buNone/>
+            </a:pPr>
+            <a:r>
+              <a:rPr lang="pt-BR" b="0" i="1" dirty="0">
+                <a:effectLst/>
+              </a:rPr>
+              <a:t>(Transporte de Filas de Mensagem de Telemetria)</a:t>
+            </a:r>
+            <a:r>
+              <a:rPr lang="pt-BR" sz="2800" dirty="0">
+                <a:cs typeface="Arial" panose="020B0604020202020204" pitchFamily="34" charset="0"/>
+              </a:rPr>
+              <a:t> </a:t>
+            </a:r>
+          </a:p>
+          <a:p>
+            <a:pPr algn="ctr"/>
+            <a:endParaRPr lang="pt-BR" i="1" dirty="0">
+              <a:solidFill>
+                <a:srgbClr val="FFFF00"/>
+              </a:solidFill>
+            </a:endParaRPr>
           </a:p>
         </p:txBody>
       </p:sp>
